--- a/doc/webflux.pptx
+++ b/doc/webflux.pptx
@@ -13,6 +13,7 @@
     <p:sldId id="256" r:id="rId7"/>
     <p:sldId id="263" r:id="rId8"/>
     <p:sldId id="264" r:id="rId9"/>
+    <p:sldId id="265" r:id="rId10"/>
   </p:sldIdLst>
   <p:sldSz cx="12192000" cy="6858000"/>
   <p:notesSz cx="6858000" cy="9144000"/>
@@ -250,7 +251,7 @@
           <a:p>
             <a:fld id="{58302B9A-EC33-46B3-A01D-073535C71C1F}" type="datetimeFigureOut">
               <a:rPr lang="ru-RU" smtClean="0"/>
-              <a:t>24.08.2020</a:t>
+              <a:t>26.08.2020</a:t>
             </a:fld>
             <a:endParaRPr lang="ru-RU"/>
           </a:p>
@@ -420,7 +421,7 @@
           <a:p>
             <a:fld id="{58302B9A-EC33-46B3-A01D-073535C71C1F}" type="datetimeFigureOut">
               <a:rPr lang="ru-RU" smtClean="0"/>
-              <a:t>24.08.2020</a:t>
+              <a:t>26.08.2020</a:t>
             </a:fld>
             <a:endParaRPr lang="ru-RU"/>
           </a:p>
@@ -600,7 +601,7 @@
           <a:p>
             <a:fld id="{58302B9A-EC33-46B3-A01D-073535C71C1F}" type="datetimeFigureOut">
               <a:rPr lang="ru-RU" smtClean="0"/>
-              <a:t>24.08.2020</a:t>
+              <a:t>26.08.2020</a:t>
             </a:fld>
             <a:endParaRPr lang="ru-RU"/>
           </a:p>
@@ -770,7 +771,7 @@
           <a:p>
             <a:fld id="{58302B9A-EC33-46B3-A01D-073535C71C1F}" type="datetimeFigureOut">
               <a:rPr lang="ru-RU" smtClean="0"/>
-              <a:t>24.08.2020</a:t>
+              <a:t>26.08.2020</a:t>
             </a:fld>
             <a:endParaRPr lang="ru-RU"/>
           </a:p>
@@ -1016,7 +1017,7 @@
           <a:p>
             <a:fld id="{58302B9A-EC33-46B3-A01D-073535C71C1F}" type="datetimeFigureOut">
               <a:rPr lang="ru-RU" smtClean="0"/>
-              <a:t>24.08.2020</a:t>
+              <a:t>26.08.2020</a:t>
             </a:fld>
             <a:endParaRPr lang="ru-RU"/>
           </a:p>
@@ -1248,7 +1249,7 @@
           <a:p>
             <a:fld id="{58302B9A-EC33-46B3-A01D-073535C71C1F}" type="datetimeFigureOut">
               <a:rPr lang="ru-RU" smtClean="0"/>
-              <a:t>24.08.2020</a:t>
+              <a:t>26.08.2020</a:t>
             </a:fld>
             <a:endParaRPr lang="ru-RU"/>
           </a:p>
@@ -1615,7 +1616,7 @@
           <a:p>
             <a:fld id="{58302B9A-EC33-46B3-A01D-073535C71C1F}" type="datetimeFigureOut">
               <a:rPr lang="ru-RU" smtClean="0"/>
-              <a:t>24.08.2020</a:t>
+              <a:t>26.08.2020</a:t>
             </a:fld>
             <a:endParaRPr lang="ru-RU"/>
           </a:p>
@@ -1733,7 +1734,7 @@
           <a:p>
             <a:fld id="{58302B9A-EC33-46B3-A01D-073535C71C1F}" type="datetimeFigureOut">
               <a:rPr lang="ru-RU" smtClean="0"/>
-              <a:t>24.08.2020</a:t>
+              <a:t>26.08.2020</a:t>
             </a:fld>
             <a:endParaRPr lang="ru-RU"/>
           </a:p>
@@ -1828,7 +1829,7 @@
           <a:p>
             <a:fld id="{58302B9A-EC33-46B3-A01D-073535C71C1F}" type="datetimeFigureOut">
               <a:rPr lang="ru-RU" smtClean="0"/>
-              <a:t>24.08.2020</a:t>
+              <a:t>26.08.2020</a:t>
             </a:fld>
             <a:endParaRPr lang="ru-RU"/>
           </a:p>
@@ -2105,7 +2106,7 @@
           <a:p>
             <a:fld id="{58302B9A-EC33-46B3-A01D-073535C71C1F}" type="datetimeFigureOut">
               <a:rPr lang="ru-RU" smtClean="0"/>
-              <a:t>24.08.2020</a:t>
+              <a:t>26.08.2020</a:t>
             </a:fld>
             <a:endParaRPr lang="ru-RU"/>
           </a:p>
@@ -2358,7 +2359,7 @@
           <a:p>
             <a:fld id="{58302B9A-EC33-46B3-A01D-073535C71C1F}" type="datetimeFigureOut">
               <a:rPr lang="ru-RU" smtClean="0"/>
-              <a:t>24.08.2020</a:t>
+              <a:t>26.08.2020</a:t>
             </a:fld>
             <a:endParaRPr lang="ru-RU"/>
           </a:p>
@@ -2571,7 +2572,7 @@
           <a:p>
             <a:fld id="{58302B9A-EC33-46B3-A01D-073535C71C1F}" type="datetimeFigureOut">
               <a:rPr lang="ru-RU" smtClean="0"/>
-              <a:t>24.08.2020</a:t>
+              <a:t>26.08.2020</a:t>
             </a:fld>
             <a:endParaRPr lang="ru-RU"/>
           </a:p>
@@ -5068,6 +5069,728 @@
 </p:sld>
 </file>
 
+<file path=ppt/slides/slide9.xml><?xml version="1.0" encoding="utf-8"?>
+<p:sld xmlns:a="http://schemas.openxmlformats.org/drawingml/2006/main" xmlns:r="http://schemas.openxmlformats.org/officeDocument/2006/relationships" xmlns:p="http://schemas.openxmlformats.org/presentationml/2006/main">
+  <p:cSld>
+    <p:spTree>
+      <p:nvGrpSpPr>
+        <p:cNvPr id="1" name=""/>
+        <p:cNvGrpSpPr/>
+        <p:nvPr/>
+      </p:nvGrpSpPr>
+      <p:grpSpPr>
+        <a:xfrm>
+          <a:off x="0" y="0"/>
+          <a:ext cx="0" cy="0"/>
+          <a:chOff x="0" y="0"/>
+          <a:chExt cx="0" cy="0"/>
+        </a:xfrm>
+      </p:grpSpPr>
+      <p:sp>
+        <p:nvSpPr>
+          <p:cNvPr id="4" name="Скругленный прямоугольник 3"/>
+          <p:cNvSpPr/>
+          <p:nvPr/>
+        </p:nvSpPr>
+        <p:spPr>
+          <a:xfrm>
+            <a:off x="7919357" y="4964757"/>
+            <a:ext cx="2296885" cy="555171"/>
+          </a:xfrm>
+          <a:prstGeom prst="roundRect">
+            <a:avLst/>
+          </a:prstGeom>
+        </p:spPr>
+        <p:style>
+          <a:lnRef idx="2">
+            <a:schemeClr val="accent1">
+              <a:shade val="50000"/>
+            </a:schemeClr>
+          </a:lnRef>
+          <a:fillRef idx="1">
+            <a:schemeClr val="accent1"/>
+          </a:fillRef>
+          <a:effectRef idx="0">
+            <a:schemeClr val="accent1"/>
+          </a:effectRef>
+          <a:fontRef idx="minor">
+            <a:schemeClr val="lt1"/>
+          </a:fontRef>
+        </p:style>
+        <p:txBody>
+          <a:bodyPr rtlCol="0" anchor="ctr"/>
+          <a:lstStyle/>
+          <a:p>
+            <a:pPr algn="ctr"/>
+            <a:r>
+              <a:rPr lang="en-US" dirty="0" smtClean="0"/>
+              <a:t>Controllers</a:t>
+            </a:r>
+          </a:p>
+        </p:txBody>
+      </p:sp>
+      <p:sp>
+        <p:nvSpPr>
+          <p:cNvPr id="5" name="Скругленный прямоугольник 4"/>
+          <p:cNvSpPr/>
+          <p:nvPr/>
+        </p:nvSpPr>
+        <p:spPr>
+          <a:xfrm>
+            <a:off x="7620000" y="2487168"/>
+            <a:ext cx="2895600" cy="3692870"/>
+          </a:xfrm>
+          <a:prstGeom prst="roundRect">
+            <a:avLst/>
+          </a:prstGeom>
+          <a:noFill/>
+        </p:spPr>
+        <p:style>
+          <a:lnRef idx="2">
+            <a:schemeClr val="accent1">
+              <a:shade val="50000"/>
+            </a:schemeClr>
+          </a:lnRef>
+          <a:fillRef idx="1">
+            <a:schemeClr val="accent1"/>
+          </a:fillRef>
+          <a:effectRef idx="0">
+            <a:schemeClr val="accent1"/>
+          </a:effectRef>
+          <a:fontRef idx="minor">
+            <a:schemeClr val="lt1"/>
+          </a:fontRef>
+        </p:style>
+        <p:txBody>
+          <a:bodyPr rtlCol="0" anchor="ctr"/>
+          <a:lstStyle/>
+          <a:p>
+            <a:pPr algn="ctr"/>
+            <a:endParaRPr lang="ru-RU"/>
+          </a:p>
+        </p:txBody>
+      </p:sp>
+      <p:sp>
+        <p:nvSpPr>
+          <p:cNvPr id="6" name="TextBox 5"/>
+          <p:cNvSpPr txBox="1"/>
+          <p:nvPr/>
+        </p:nvSpPr>
+        <p:spPr>
+          <a:xfrm>
+            <a:off x="8568527" y="5665317"/>
+            <a:ext cx="998543" cy="369332"/>
+          </a:xfrm>
+          <a:prstGeom prst="rect">
+            <a:avLst/>
+          </a:prstGeom>
+          <a:noFill/>
+        </p:spPr>
+        <p:txBody>
+          <a:bodyPr wrap="none" rtlCol="0">
+            <a:spAutoFit/>
+          </a:bodyPr>
+          <a:lstStyle/>
+          <a:p>
+            <a:r>
+              <a:rPr lang="en-US" dirty="0" err="1" smtClean="0"/>
+              <a:t>WebFlux</a:t>
+            </a:r>
+            <a:endParaRPr lang="ru-RU" dirty="0"/>
+          </a:p>
+        </p:txBody>
+      </p:sp>
+      <p:sp>
+        <p:nvSpPr>
+          <p:cNvPr id="8" name="Скругленный прямоугольник 7"/>
+          <p:cNvSpPr/>
+          <p:nvPr/>
+        </p:nvSpPr>
+        <p:spPr>
+          <a:xfrm>
+            <a:off x="3561901" y="1542719"/>
+            <a:ext cx="1804416" cy="1024128"/>
+          </a:xfrm>
+          <a:prstGeom prst="roundRect">
+            <a:avLst/>
+          </a:prstGeom>
+        </p:spPr>
+        <p:style>
+          <a:lnRef idx="2">
+            <a:schemeClr val="accent1">
+              <a:shade val="50000"/>
+            </a:schemeClr>
+          </a:lnRef>
+          <a:fillRef idx="1">
+            <a:schemeClr val="accent1"/>
+          </a:fillRef>
+          <a:effectRef idx="0">
+            <a:schemeClr val="accent1"/>
+          </a:effectRef>
+          <a:fontRef idx="minor">
+            <a:schemeClr val="lt1"/>
+          </a:fontRef>
+        </p:style>
+        <p:txBody>
+          <a:bodyPr rtlCol="0" anchor="ctr"/>
+          <a:lstStyle/>
+          <a:p>
+            <a:pPr algn="ctr"/>
+            <a:r>
+              <a:rPr lang="en-US" dirty="0" err="1" smtClean="0"/>
+              <a:t>Netty</a:t>
+            </a:r>
+            <a:endParaRPr lang="ru-RU" dirty="0"/>
+          </a:p>
+        </p:txBody>
+      </p:sp>
+      <p:sp>
+        <p:nvSpPr>
+          <p:cNvPr id="9" name="Скругленный прямоугольник 8"/>
+          <p:cNvSpPr/>
+          <p:nvPr/>
+        </p:nvSpPr>
+        <p:spPr>
+          <a:xfrm>
+            <a:off x="7919356" y="2840736"/>
+            <a:ext cx="2296885" cy="1024128"/>
+          </a:xfrm>
+          <a:prstGeom prst="roundRect">
+            <a:avLst/>
+          </a:prstGeom>
+        </p:spPr>
+        <p:style>
+          <a:lnRef idx="2">
+            <a:schemeClr val="accent1">
+              <a:shade val="50000"/>
+            </a:schemeClr>
+          </a:lnRef>
+          <a:fillRef idx="1">
+            <a:schemeClr val="accent1"/>
+          </a:fillRef>
+          <a:effectRef idx="0">
+            <a:schemeClr val="accent1"/>
+          </a:effectRef>
+          <a:fontRef idx="minor">
+            <a:schemeClr val="lt1"/>
+          </a:fontRef>
+        </p:style>
+        <p:txBody>
+          <a:bodyPr rtlCol="0" anchor="ctr"/>
+          <a:lstStyle/>
+          <a:p>
+            <a:pPr algn="ctr"/>
+            <a:r>
+              <a:rPr lang="en-US" dirty="0" smtClean="0"/>
+              <a:t>Dispatcher Handler</a:t>
+            </a:r>
+            <a:endParaRPr lang="ru-RU" dirty="0"/>
+          </a:p>
+        </p:txBody>
+      </p:sp>
+      <p:cxnSp>
+        <p:nvCxnSpPr>
+          <p:cNvPr id="11" name="Прямая со стрелкой 10"/>
+          <p:cNvCxnSpPr/>
+          <p:nvPr/>
+        </p:nvCxnSpPr>
+        <p:spPr>
+          <a:xfrm>
+            <a:off x="8568527" y="3839173"/>
+            <a:ext cx="2" cy="1124277"/>
+          </a:xfrm>
+          <a:prstGeom prst="straightConnector1">
+            <a:avLst/>
+          </a:prstGeom>
+          <a:ln>
+            <a:tailEnd type="triangle"/>
+          </a:ln>
+        </p:spPr>
+        <p:style>
+          <a:lnRef idx="1">
+            <a:schemeClr val="accent1"/>
+          </a:lnRef>
+          <a:fillRef idx="0">
+            <a:schemeClr val="accent1"/>
+          </a:fillRef>
+          <a:effectRef idx="0">
+            <a:schemeClr val="accent1"/>
+          </a:effectRef>
+          <a:fontRef idx="minor">
+            <a:schemeClr val="tx1"/>
+          </a:fontRef>
+        </p:style>
+      </p:cxnSp>
+      <p:sp>
+        <p:nvSpPr>
+          <p:cNvPr id="15" name="TextBox 14"/>
+          <p:cNvSpPr txBox="1"/>
+          <p:nvPr/>
+        </p:nvSpPr>
+        <p:spPr>
+          <a:xfrm>
+            <a:off x="5522976" y="250808"/>
+            <a:ext cx="1938528" cy="584775"/>
+          </a:xfrm>
+          <a:prstGeom prst="rect">
+            <a:avLst/>
+          </a:prstGeom>
+          <a:noFill/>
+        </p:spPr>
+        <p:txBody>
+          <a:bodyPr wrap="square" rtlCol="0">
+            <a:spAutoFit/>
+          </a:bodyPr>
+          <a:lstStyle/>
+          <a:p>
+            <a:pPr algn="ctr"/>
+            <a:r>
+              <a:rPr lang="en-US" sz="3200" dirty="0" err="1" smtClean="0"/>
+              <a:t>WebFlux</a:t>
+            </a:r>
+            <a:endParaRPr lang="ru-RU" sz="3200" dirty="0"/>
+          </a:p>
+        </p:txBody>
+      </p:sp>
+      <p:cxnSp>
+        <p:nvCxnSpPr>
+          <p:cNvPr id="17" name="Прямая со стрелкой 16"/>
+          <p:cNvCxnSpPr/>
+          <p:nvPr/>
+        </p:nvCxnSpPr>
+        <p:spPr>
+          <a:xfrm>
+            <a:off x="2061060" y="1621753"/>
+            <a:ext cx="1500841" cy="188977"/>
+          </a:xfrm>
+          <a:prstGeom prst="straightConnector1">
+            <a:avLst/>
+          </a:prstGeom>
+          <a:ln>
+            <a:tailEnd type="triangle"/>
+          </a:ln>
+        </p:spPr>
+        <p:style>
+          <a:lnRef idx="1">
+            <a:schemeClr val="accent1"/>
+          </a:lnRef>
+          <a:fillRef idx="0">
+            <a:schemeClr val="accent1"/>
+          </a:fillRef>
+          <a:effectRef idx="0">
+            <a:schemeClr val="accent1"/>
+          </a:effectRef>
+          <a:fontRef idx="minor">
+            <a:schemeClr val="tx1"/>
+          </a:fontRef>
+        </p:style>
+      </p:cxnSp>
+      <p:cxnSp>
+        <p:nvCxnSpPr>
+          <p:cNvPr id="19" name="Прямая со стрелкой 18"/>
+          <p:cNvCxnSpPr/>
+          <p:nvPr/>
+        </p:nvCxnSpPr>
+        <p:spPr>
+          <a:xfrm flipV="1">
+            <a:off x="2024484" y="1999705"/>
+            <a:ext cx="1537417" cy="12192"/>
+          </a:xfrm>
+          <a:prstGeom prst="straightConnector1">
+            <a:avLst/>
+          </a:prstGeom>
+          <a:ln>
+            <a:tailEnd type="triangle"/>
+          </a:ln>
+        </p:spPr>
+        <p:style>
+          <a:lnRef idx="1">
+            <a:schemeClr val="accent1"/>
+          </a:lnRef>
+          <a:fillRef idx="0">
+            <a:schemeClr val="accent1"/>
+          </a:fillRef>
+          <a:effectRef idx="0">
+            <a:schemeClr val="accent1"/>
+          </a:effectRef>
+          <a:fontRef idx="minor">
+            <a:schemeClr val="tx1"/>
+          </a:fontRef>
+        </p:style>
+      </p:cxnSp>
+      <p:cxnSp>
+        <p:nvCxnSpPr>
+          <p:cNvPr id="21" name="Прямая со стрелкой 20"/>
+          <p:cNvCxnSpPr/>
+          <p:nvPr/>
+        </p:nvCxnSpPr>
+        <p:spPr>
+          <a:xfrm flipV="1">
+            <a:off x="2061060" y="2188680"/>
+            <a:ext cx="1500841" cy="146304"/>
+          </a:xfrm>
+          <a:prstGeom prst="straightConnector1">
+            <a:avLst/>
+          </a:prstGeom>
+          <a:ln>
+            <a:tailEnd type="triangle"/>
+          </a:ln>
+        </p:spPr>
+        <p:style>
+          <a:lnRef idx="1">
+            <a:schemeClr val="accent1"/>
+          </a:lnRef>
+          <a:fillRef idx="0">
+            <a:schemeClr val="accent1"/>
+          </a:fillRef>
+          <a:effectRef idx="0">
+            <a:schemeClr val="accent1"/>
+          </a:effectRef>
+          <a:fontRef idx="minor">
+            <a:schemeClr val="tx1"/>
+          </a:fontRef>
+        </p:style>
+      </p:cxnSp>
+      <p:sp>
+        <p:nvSpPr>
+          <p:cNvPr id="24" name="Прямоугольник 23"/>
+          <p:cNvSpPr/>
+          <p:nvPr/>
+        </p:nvSpPr>
+        <p:spPr>
+          <a:xfrm>
+            <a:off x="8855642" y="4218431"/>
+            <a:ext cx="1402080" cy="365760"/>
+          </a:xfrm>
+          <a:prstGeom prst="rect">
+            <a:avLst/>
+          </a:prstGeom>
+          <a:noFill/>
+          <a:ln>
+            <a:solidFill>
+              <a:schemeClr val="accent6">
+                <a:lumMod val="75000"/>
+              </a:schemeClr>
+            </a:solidFill>
+            <a:prstDash val="dash"/>
+          </a:ln>
+        </p:spPr>
+        <p:style>
+          <a:lnRef idx="2">
+            <a:schemeClr val="accent1">
+              <a:shade val="50000"/>
+            </a:schemeClr>
+          </a:lnRef>
+          <a:fillRef idx="1">
+            <a:schemeClr val="accent1"/>
+          </a:fillRef>
+          <a:effectRef idx="0">
+            <a:schemeClr val="accent1"/>
+          </a:effectRef>
+          <a:fontRef idx="minor">
+            <a:schemeClr val="lt1"/>
+          </a:fontRef>
+        </p:style>
+        <p:txBody>
+          <a:bodyPr rtlCol="0" anchor="ctr"/>
+          <a:lstStyle/>
+          <a:p>
+            <a:pPr algn="ctr"/>
+            <a:r>
+              <a:rPr lang="en-US" dirty="0" smtClean="0">
+                <a:solidFill>
+                  <a:schemeClr val="tx1"/>
+                </a:solidFill>
+              </a:rPr>
+              <a:t>Publisher</a:t>
+            </a:r>
+            <a:endParaRPr lang="ru-RU" dirty="0">
+              <a:solidFill>
+                <a:schemeClr val="tx1"/>
+              </a:solidFill>
+            </a:endParaRPr>
+          </a:p>
+        </p:txBody>
+      </p:sp>
+      <p:cxnSp>
+        <p:nvCxnSpPr>
+          <p:cNvPr id="26" name="Прямая со стрелкой 25"/>
+          <p:cNvCxnSpPr/>
+          <p:nvPr/>
+        </p:nvCxnSpPr>
+        <p:spPr>
+          <a:xfrm flipV="1">
+            <a:off x="9751754" y="4584191"/>
+            <a:ext cx="0" cy="379259"/>
+          </a:xfrm>
+          <a:prstGeom prst="straightConnector1">
+            <a:avLst/>
+          </a:prstGeom>
+          <a:ln>
+            <a:tailEnd type="triangle"/>
+          </a:ln>
+        </p:spPr>
+        <p:style>
+          <a:lnRef idx="1">
+            <a:schemeClr val="accent1"/>
+          </a:lnRef>
+          <a:fillRef idx="0">
+            <a:schemeClr val="accent1"/>
+          </a:fillRef>
+          <a:effectRef idx="0">
+            <a:schemeClr val="accent1"/>
+          </a:effectRef>
+          <a:fontRef idx="minor">
+            <a:schemeClr val="tx1"/>
+          </a:fontRef>
+        </p:style>
+      </p:cxnSp>
+      <p:cxnSp>
+        <p:nvCxnSpPr>
+          <p:cNvPr id="29" name="Соединительная линия уступом 28"/>
+          <p:cNvCxnSpPr/>
+          <p:nvPr/>
+        </p:nvCxnSpPr>
+        <p:spPr>
+          <a:xfrm>
+            <a:off x="5234022" y="2054783"/>
+            <a:ext cx="3339424" cy="785953"/>
+          </a:xfrm>
+          <a:prstGeom prst="bentConnector2">
+            <a:avLst/>
+          </a:prstGeom>
+          <a:ln>
+            <a:tailEnd type="triangle"/>
+          </a:ln>
+        </p:spPr>
+        <p:style>
+          <a:lnRef idx="1">
+            <a:schemeClr val="accent1"/>
+          </a:lnRef>
+          <a:fillRef idx="0">
+            <a:schemeClr val="accent1"/>
+          </a:fillRef>
+          <a:effectRef idx="0">
+            <a:schemeClr val="accent1"/>
+          </a:effectRef>
+          <a:fontRef idx="minor">
+            <a:schemeClr val="tx1"/>
+          </a:fontRef>
+        </p:style>
+      </p:cxnSp>
+      <p:sp>
+        <p:nvSpPr>
+          <p:cNvPr id="31" name="Прямоугольник 30"/>
+          <p:cNvSpPr/>
+          <p:nvPr/>
+        </p:nvSpPr>
+        <p:spPr>
+          <a:xfrm>
+            <a:off x="6059424" y="1578641"/>
+            <a:ext cx="1402080" cy="365760"/>
+          </a:xfrm>
+          <a:prstGeom prst="rect">
+            <a:avLst/>
+          </a:prstGeom>
+          <a:noFill/>
+          <a:ln>
+            <a:solidFill>
+              <a:schemeClr val="accent6">
+                <a:lumMod val="75000"/>
+              </a:schemeClr>
+            </a:solidFill>
+            <a:prstDash val="dash"/>
+          </a:ln>
+        </p:spPr>
+        <p:style>
+          <a:lnRef idx="2">
+            <a:schemeClr val="accent1">
+              <a:shade val="50000"/>
+            </a:schemeClr>
+          </a:lnRef>
+          <a:fillRef idx="1">
+            <a:schemeClr val="accent1"/>
+          </a:fillRef>
+          <a:effectRef idx="0">
+            <a:schemeClr val="accent1"/>
+          </a:effectRef>
+          <a:fontRef idx="minor">
+            <a:schemeClr val="lt1"/>
+          </a:fontRef>
+        </p:style>
+        <p:txBody>
+          <a:bodyPr rtlCol="0" anchor="ctr"/>
+          <a:lstStyle/>
+          <a:p>
+            <a:pPr algn="ctr"/>
+            <a:r>
+              <a:rPr lang="en-US" dirty="0" smtClean="0">
+                <a:solidFill>
+                  <a:schemeClr val="tx1"/>
+                </a:solidFill>
+              </a:rPr>
+              <a:t>Publisher</a:t>
+            </a:r>
+            <a:endParaRPr lang="ru-RU" dirty="0">
+              <a:solidFill>
+                <a:schemeClr val="tx1"/>
+              </a:solidFill>
+            </a:endParaRPr>
+          </a:p>
+        </p:txBody>
+      </p:sp>
+      <p:cxnSp>
+        <p:nvCxnSpPr>
+          <p:cNvPr id="35" name="Прямая со стрелкой 34"/>
+          <p:cNvCxnSpPr>
+            <a:endCxn id="31" idx="1"/>
+          </p:cNvCxnSpPr>
+          <p:nvPr/>
+        </p:nvCxnSpPr>
+        <p:spPr>
+          <a:xfrm>
+            <a:off x="5366317" y="1761521"/>
+            <a:ext cx="693107" cy="0"/>
+          </a:xfrm>
+          <a:prstGeom prst="straightConnector1">
+            <a:avLst/>
+          </a:prstGeom>
+          <a:ln>
+            <a:prstDash val="dash"/>
+            <a:tailEnd type="triangle"/>
+          </a:ln>
+        </p:spPr>
+        <p:style>
+          <a:lnRef idx="1">
+            <a:schemeClr val="accent1"/>
+          </a:lnRef>
+          <a:fillRef idx="0">
+            <a:schemeClr val="accent1"/>
+          </a:fillRef>
+          <a:effectRef idx="0">
+            <a:schemeClr val="accent1"/>
+          </a:effectRef>
+          <a:fontRef idx="minor">
+            <a:schemeClr val="tx1"/>
+          </a:fontRef>
+        </p:style>
+      </p:cxnSp>
+      <p:cxnSp>
+        <p:nvCxnSpPr>
+          <p:cNvPr id="41" name="Прямая соединительная линия 40"/>
+          <p:cNvCxnSpPr>
+            <a:stCxn id="31" idx="3"/>
+          </p:cNvCxnSpPr>
+          <p:nvPr/>
+        </p:nvCxnSpPr>
+        <p:spPr>
+          <a:xfrm>
+            <a:off x="7461504" y="1761521"/>
+            <a:ext cx="2279904" cy="0"/>
+          </a:xfrm>
+          <a:prstGeom prst="line">
+            <a:avLst/>
+          </a:prstGeom>
+          <a:ln>
+            <a:prstDash val="dash"/>
+          </a:ln>
+        </p:spPr>
+        <p:style>
+          <a:lnRef idx="1">
+            <a:schemeClr val="accent1"/>
+          </a:lnRef>
+          <a:fillRef idx="0">
+            <a:schemeClr val="accent1"/>
+          </a:fillRef>
+          <a:effectRef idx="0">
+            <a:schemeClr val="accent1"/>
+          </a:effectRef>
+          <a:fontRef idx="minor">
+            <a:schemeClr val="tx1"/>
+          </a:fontRef>
+        </p:style>
+      </p:cxnSp>
+      <p:cxnSp>
+        <p:nvCxnSpPr>
+          <p:cNvPr id="45" name="Прямая со стрелкой 44"/>
+          <p:cNvCxnSpPr/>
+          <p:nvPr/>
+        </p:nvCxnSpPr>
+        <p:spPr>
+          <a:xfrm>
+            <a:off x="9741408" y="1761521"/>
+            <a:ext cx="0" cy="1079215"/>
+          </a:xfrm>
+          <a:prstGeom prst="straightConnector1">
+            <a:avLst/>
+          </a:prstGeom>
+          <a:ln>
+            <a:prstDash val="dash"/>
+            <a:tailEnd type="triangle"/>
+          </a:ln>
+        </p:spPr>
+        <p:style>
+          <a:lnRef idx="1">
+            <a:schemeClr val="accent1"/>
+          </a:lnRef>
+          <a:fillRef idx="0">
+            <a:schemeClr val="accent1"/>
+          </a:fillRef>
+          <a:effectRef idx="0">
+            <a:schemeClr val="accent1"/>
+          </a:effectRef>
+          <a:fontRef idx="minor">
+            <a:schemeClr val="tx1"/>
+          </a:fontRef>
+        </p:style>
+      </p:cxnSp>
+      <p:cxnSp>
+        <p:nvCxnSpPr>
+          <p:cNvPr id="47" name="Прямая со стрелкой 46"/>
+          <p:cNvCxnSpPr/>
+          <p:nvPr/>
+        </p:nvCxnSpPr>
+        <p:spPr>
+          <a:xfrm>
+            <a:off x="9741408" y="3864864"/>
+            <a:ext cx="0" cy="353567"/>
+          </a:xfrm>
+          <a:prstGeom prst="straightConnector1">
+            <a:avLst/>
+          </a:prstGeom>
+          <a:ln>
+            <a:prstDash val="dash"/>
+            <a:tailEnd type="triangle"/>
+          </a:ln>
+        </p:spPr>
+        <p:style>
+          <a:lnRef idx="1">
+            <a:schemeClr val="accent1"/>
+          </a:lnRef>
+          <a:fillRef idx="0">
+            <a:schemeClr val="accent1"/>
+          </a:fillRef>
+          <a:effectRef idx="0">
+            <a:schemeClr val="accent1"/>
+          </a:effectRef>
+          <a:fontRef idx="minor">
+            <a:schemeClr val="tx1"/>
+          </a:fontRef>
+        </p:style>
+      </p:cxnSp>
+    </p:spTree>
+    <p:extLst>
+      <p:ext uri="{BB962C8B-B14F-4D97-AF65-F5344CB8AC3E}">
+        <p14:creationId xmlns:p14="http://schemas.microsoft.com/office/powerpoint/2010/main" val="3153294031"/>
+      </p:ext>
+    </p:extLst>
+  </p:cSld>
+  <p:clrMapOvr>
+    <a:masterClrMapping/>
+  </p:clrMapOvr>
+</p:sld>
+</file>
+
 <file path=ppt/theme/theme1.xml><?xml version="1.0" encoding="utf-8"?>
 <a:theme xmlns:a="http://schemas.openxmlformats.org/drawingml/2006/main" name="Тема Office">
   <a:themeElements>

--- a/doc/webflux.pptx
+++ b/doc/webflux.pptx
@@ -14,6 +14,8 @@
     <p:sldId id="263" r:id="rId8"/>
     <p:sldId id="264" r:id="rId9"/>
     <p:sldId id="265" r:id="rId10"/>
+    <p:sldId id="267" r:id="rId11"/>
+    <p:sldId id="268" r:id="rId12"/>
   </p:sldIdLst>
   <p:sldSz cx="12192000" cy="6858000"/>
   <p:notesSz cx="6858000" cy="9144000"/>
@@ -251,7 +253,7 @@
           <a:p>
             <a:fld id="{58302B9A-EC33-46B3-A01D-073535C71C1F}" type="datetimeFigureOut">
               <a:rPr lang="ru-RU" smtClean="0"/>
-              <a:t>26.08.2020</a:t>
+              <a:t>27.08.2020</a:t>
             </a:fld>
             <a:endParaRPr lang="ru-RU"/>
           </a:p>
@@ -421,7 +423,7 @@
           <a:p>
             <a:fld id="{58302B9A-EC33-46B3-A01D-073535C71C1F}" type="datetimeFigureOut">
               <a:rPr lang="ru-RU" smtClean="0"/>
-              <a:t>26.08.2020</a:t>
+              <a:t>27.08.2020</a:t>
             </a:fld>
             <a:endParaRPr lang="ru-RU"/>
           </a:p>
@@ -601,7 +603,7 @@
           <a:p>
             <a:fld id="{58302B9A-EC33-46B3-A01D-073535C71C1F}" type="datetimeFigureOut">
               <a:rPr lang="ru-RU" smtClean="0"/>
-              <a:t>26.08.2020</a:t>
+              <a:t>27.08.2020</a:t>
             </a:fld>
             <a:endParaRPr lang="ru-RU"/>
           </a:p>
@@ -771,7 +773,7 @@
           <a:p>
             <a:fld id="{58302B9A-EC33-46B3-A01D-073535C71C1F}" type="datetimeFigureOut">
               <a:rPr lang="ru-RU" smtClean="0"/>
-              <a:t>26.08.2020</a:t>
+              <a:t>27.08.2020</a:t>
             </a:fld>
             <a:endParaRPr lang="ru-RU"/>
           </a:p>
@@ -1017,7 +1019,7 @@
           <a:p>
             <a:fld id="{58302B9A-EC33-46B3-A01D-073535C71C1F}" type="datetimeFigureOut">
               <a:rPr lang="ru-RU" smtClean="0"/>
-              <a:t>26.08.2020</a:t>
+              <a:t>27.08.2020</a:t>
             </a:fld>
             <a:endParaRPr lang="ru-RU"/>
           </a:p>
@@ -1249,7 +1251,7 @@
           <a:p>
             <a:fld id="{58302B9A-EC33-46B3-A01D-073535C71C1F}" type="datetimeFigureOut">
               <a:rPr lang="ru-RU" smtClean="0"/>
-              <a:t>26.08.2020</a:t>
+              <a:t>27.08.2020</a:t>
             </a:fld>
             <a:endParaRPr lang="ru-RU"/>
           </a:p>
@@ -1616,7 +1618,7 @@
           <a:p>
             <a:fld id="{58302B9A-EC33-46B3-A01D-073535C71C1F}" type="datetimeFigureOut">
               <a:rPr lang="ru-RU" smtClean="0"/>
-              <a:t>26.08.2020</a:t>
+              <a:t>27.08.2020</a:t>
             </a:fld>
             <a:endParaRPr lang="ru-RU"/>
           </a:p>
@@ -1734,7 +1736,7 @@
           <a:p>
             <a:fld id="{58302B9A-EC33-46B3-A01D-073535C71C1F}" type="datetimeFigureOut">
               <a:rPr lang="ru-RU" smtClean="0"/>
-              <a:t>26.08.2020</a:t>
+              <a:t>27.08.2020</a:t>
             </a:fld>
             <a:endParaRPr lang="ru-RU"/>
           </a:p>
@@ -1829,7 +1831,7 @@
           <a:p>
             <a:fld id="{58302B9A-EC33-46B3-A01D-073535C71C1F}" type="datetimeFigureOut">
               <a:rPr lang="ru-RU" smtClean="0"/>
-              <a:t>26.08.2020</a:t>
+              <a:t>27.08.2020</a:t>
             </a:fld>
             <a:endParaRPr lang="ru-RU"/>
           </a:p>
@@ -2106,7 +2108,7 @@
           <a:p>
             <a:fld id="{58302B9A-EC33-46B3-A01D-073535C71C1F}" type="datetimeFigureOut">
               <a:rPr lang="ru-RU" smtClean="0"/>
-              <a:t>26.08.2020</a:t>
+              <a:t>27.08.2020</a:t>
             </a:fld>
             <a:endParaRPr lang="ru-RU"/>
           </a:p>
@@ -2359,7 +2361,7 @@
           <a:p>
             <a:fld id="{58302B9A-EC33-46B3-A01D-073535C71C1F}" type="datetimeFigureOut">
               <a:rPr lang="ru-RU" smtClean="0"/>
-              <a:t>26.08.2020</a:t>
+              <a:t>27.08.2020</a:t>
             </a:fld>
             <a:endParaRPr lang="ru-RU"/>
           </a:p>
@@ -2572,7 +2574,7 @@
           <a:p>
             <a:fld id="{58302B9A-EC33-46B3-A01D-073535C71C1F}" type="datetimeFigureOut">
               <a:rPr lang="ru-RU" smtClean="0"/>
-              <a:t>26.08.2020</a:t>
+              <a:t>27.08.2020</a:t>
             </a:fld>
             <a:endParaRPr lang="ru-RU"/>
           </a:p>
@@ -3028,6 +3030,1271 @@
   <p:clrMapOvr>
     <a:masterClrMapping/>
   </p:clrMapOvr>
+  <p:timing>
+    <p:tnLst>
+      <p:par>
+        <p:cTn id="1" dur="indefinite" restart="never" nodeType="tmRoot"/>
+      </p:par>
+    </p:tnLst>
+  </p:timing>
+</p:sld>
+</file>
+
+<file path=ppt/slides/slide10.xml><?xml version="1.0" encoding="utf-8"?>
+<p:sld xmlns:a="http://schemas.openxmlformats.org/drawingml/2006/main" xmlns:r="http://schemas.openxmlformats.org/officeDocument/2006/relationships" xmlns:p="http://schemas.openxmlformats.org/presentationml/2006/main">
+  <p:cSld>
+    <p:spTree>
+      <p:nvGrpSpPr>
+        <p:cNvPr id="1" name=""/>
+        <p:cNvGrpSpPr/>
+        <p:nvPr/>
+      </p:nvGrpSpPr>
+      <p:grpSpPr>
+        <a:xfrm>
+          <a:off x="0" y="0"/>
+          <a:ext cx="0" cy="0"/>
+          <a:chOff x="0" y="0"/>
+          <a:chExt cx="0" cy="0"/>
+        </a:xfrm>
+      </p:grpSpPr>
+      <p:sp>
+        <p:nvSpPr>
+          <p:cNvPr id="4" name="Скругленный прямоугольник 3"/>
+          <p:cNvSpPr/>
+          <p:nvPr/>
+        </p:nvSpPr>
+        <p:spPr>
+          <a:xfrm>
+            <a:off x="7919357" y="4964757"/>
+            <a:ext cx="2296885" cy="555171"/>
+          </a:xfrm>
+          <a:prstGeom prst="roundRect">
+            <a:avLst/>
+          </a:prstGeom>
+        </p:spPr>
+        <p:style>
+          <a:lnRef idx="2">
+            <a:schemeClr val="accent1">
+              <a:shade val="50000"/>
+            </a:schemeClr>
+          </a:lnRef>
+          <a:fillRef idx="1">
+            <a:schemeClr val="accent1"/>
+          </a:fillRef>
+          <a:effectRef idx="0">
+            <a:schemeClr val="accent1"/>
+          </a:effectRef>
+          <a:fontRef idx="minor">
+            <a:schemeClr val="lt1"/>
+          </a:fontRef>
+        </p:style>
+        <p:txBody>
+          <a:bodyPr rtlCol="0" anchor="ctr"/>
+          <a:lstStyle/>
+          <a:p>
+            <a:pPr algn="ctr"/>
+            <a:r>
+              <a:rPr lang="en-US" dirty="0" smtClean="0"/>
+              <a:t>Controllers</a:t>
+            </a:r>
+          </a:p>
+        </p:txBody>
+      </p:sp>
+      <p:sp>
+        <p:nvSpPr>
+          <p:cNvPr id="5" name="Скругленный прямоугольник 4"/>
+          <p:cNvSpPr/>
+          <p:nvPr/>
+        </p:nvSpPr>
+        <p:spPr>
+          <a:xfrm>
+            <a:off x="7620000" y="2487168"/>
+            <a:ext cx="2895600" cy="3692870"/>
+          </a:xfrm>
+          <a:prstGeom prst="roundRect">
+            <a:avLst/>
+          </a:prstGeom>
+          <a:noFill/>
+        </p:spPr>
+        <p:style>
+          <a:lnRef idx="2">
+            <a:schemeClr val="accent1">
+              <a:shade val="50000"/>
+            </a:schemeClr>
+          </a:lnRef>
+          <a:fillRef idx="1">
+            <a:schemeClr val="accent1"/>
+          </a:fillRef>
+          <a:effectRef idx="0">
+            <a:schemeClr val="accent1"/>
+          </a:effectRef>
+          <a:fontRef idx="minor">
+            <a:schemeClr val="lt1"/>
+          </a:fontRef>
+        </p:style>
+        <p:txBody>
+          <a:bodyPr rtlCol="0" anchor="ctr"/>
+          <a:lstStyle/>
+          <a:p>
+            <a:pPr algn="ctr"/>
+            <a:endParaRPr lang="ru-RU"/>
+          </a:p>
+        </p:txBody>
+      </p:sp>
+      <p:sp>
+        <p:nvSpPr>
+          <p:cNvPr id="6" name="TextBox 5"/>
+          <p:cNvSpPr txBox="1"/>
+          <p:nvPr/>
+        </p:nvSpPr>
+        <p:spPr>
+          <a:xfrm>
+            <a:off x="8568527" y="5665317"/>
+            <a:ext cx="998543" cy="369332"/>
+          </a:xfrm>
+          <a:prstGeom prst="rect">
+            <a:avLst/>
+          </a:prstGeom>
+          <a:noFill/>
+        </p:spPr>
+        <p:txBody>
+          <a:bodyPr wrap="none" rtlCol="0">
+            <a:spAutoFit/>
+          </a:bodyPr>
+          <a:lstStyle/>
+          <a:p>
+            <a:r>
+              <a:rPr lang="en-US" dirty="0" err="1" smtClean="0"/>
+              <a:t>WebFlux</a:t>
+            </a:r>
+            <a:endParaRPr lang="ru-RU" dirty="0"/>
+          </a:p>
+        </p:txBody>
+      </p:sp>
+      <p:sp>
+        <p:nvSpPr>
+          <p:cNvPr id="8" name="Скругленный прямоугольник 7"/>
+          <p:cNvSpPr/>
+          <p:nvPr/>
+        </p:nvSpPr>
+        <p:spPr>
+          <a:xfrm>
+            <a:off x="3561901" y="1542719"/>
+            <a:ext cx="1804416" cy="1024128"/>
+          </a:xfrm>
+          <a:prstGeom prst="roundRect">
+            <a:avLst/>
+          </a:prstGeom>
+        </p:spPr>
+        <p:style>
+          <a:lnRef idx="2">
+            <a:schemeClr val="accent1">
+              <a:shade val="50000"/>
+            </a:schemeClr>
+          </a:lnRef>
+          <a:fillRef idx="1">
+            <a:schemeClr val="accent1"/>
+          </a:fillRef>
+          <a:effectRef idx="0">
+            <a:schemeClr val="accent1"/>
+          </a:effectRef>
+          <a:fontRef idx="minor">
+            <a:schemeClr val="lt1"/>
+          </a:fontRef>
+        </p:style>
+        <p:txBody>
+          <a:bodyPr rtlCol="0" anchor="ctr"/>
+          <a:lstStyle/>
+          <a:p>
+            <a:pPr algn="ctr"/>
+            <a:r>
+              <a:rPr lang="en-US" dirty="0" err="1" smtClean="0"/>
+              <a:t>Netty</a:t>
+            </a:r>
+            <a:endParaRPr lang="ru-RU" dirty="0"/>
+          </a:p>
+        </p:txBody>
+      </p:sp>
+      <p:sp>
+        <p:nvSpPr>
+          <p:cNvPr id="9" name="Скругленный прямоугольник 8"/>
+          <p:cNvSpPr/>
+          <p:nvPr/>
+        </p:nvSpPr>
+        <p:spPr>
+          <a:xfrm>
+            <a:off x="7919356" y="2840736"/>
+            <a:ext cx="2296885" cy="1024128"/>
+          </a:xfrm>
+          <a:prstGeom prst="roundRect">
+            <a:avLst/>
+          </a:prstGeom>
+        </p:spPr>
+        <p:style>
+          <a:lnRef idx="2">
+            <a:schemeClr val="accent1">
+              <a:shade val="50000"/>
+            </a:schemeClr>
+          </a:lnRef>
+          <a:fillRef idx="1">
+            <a:schemeClr val="accent1"/>
+          </a:fillRef>
+          <a:effectRef idx="0">
+            <a:schemeClr val="accent1"/>
+          </a:effectRef>
+          <a:fontRef idx="minor">
+            <a:schemeClr val="lt1"/>
+          </a:fontRef>
+        </p:style>
+        <p:txBody>
+          <a:bodyPr rtlCol="0" anchor="ctr"/>
+          <a:lstStyle/>
+          <a:p>
+            <a:pPr algn="ctr"/>
+            <a:r>
+              <a:rPr lang="en-US" dirty="0" smtClean="0"/>
+              <a:t>Dispatcher Handler</a:t>
+            </a:r>
+            <a:endParaRPr lang="ru-RU" dirty="0"/>
+          </a:p>
+        </p:txBody>
+      </p:sp>
+      <p:cxnSp>
+        <p:nvCxnSpPr>
+          <p:cNvPr id="11" name="Прямая со стрелкой 10"/>
+          <p:cNvCxnSpPr/>
+          <p:nvPr/>
+        </p:nvCxnSpPr>
+        <p:spPr>
+          <a:xfrm>
+            <a:off x="8568527" y="3839173"/>
+            <a:ext cx="2" cy="1124277"/>
+          </a:xfrm>
+          <a:prstGeom prst="straightConnector1">
+            <a:avLst/>
+          </a:prstGeom>
+          <a:ln>
+            <a:tailEnd type="triangle"/>
+          </a:ln>
+        </p:spPr>
+        <p:style>
+          <a:lnRef idx="1">
+            <a:schemeClr val="accent1"/>
+          </a:lnRef>
+          <a:fillRef idx="0">
+            <a:schemeClr val="accent1"/>
+          </a:fillRef>
+          <a:effectRef idx="0">
+            <a:schemeClr val="accent1"/>
+          </a:effectRef>
+          <a:fontRef idx="minor">
+            <a:schemeClr val="tx1"/>
+          </a:fontRef>
+        </p:style>
+      </p:cxnSp>
+      <p:sp>
+        <p:nvSpPr>
+          <p:cNvPr id="15" name="TextBox 14"/>
+          <p:cNvSpPr txBox="1"/>
+          <p:nvPr/>
+        </p:nvSpPr>
+        <p:spPr>
+          <a:xfrm>
+            <a:off x="5522976" y="250808"/>
+            <a:ext cx="1938528" cy="584775"/>
+          </a:xfrm>
+          <a:prstGeom prst="rect">
+            <a:avLst/>
+          </a:prstGeom>
+          <a:noFill/>
+        </p:spPr>
+        <p:txBody>
+          <a:bodyPr wrap="square" rtlCol="0">
+            <a:spAutoFit/>
+          </a:bodyPr>
+          <a:lstStyle/>
+          <a:p>
+            <a:pPr algn="ctr"/>
+            <a:r>
+              <a:rPr lang="en-US" sz="3200" dirty="0" err="1" smtClean="0"/>
+              <a:t>WebFlux</a:t>
+            </a:r>
+            <a:endParaRPr lang="ru-RU" sz="3200" dirty="0"/>
+          </a:p>
+        </p:txBody>
+      </p:sp>
+      <p:cxnSp>
+        <p:nvCxnSpPr>
+          <p:cNvPr id="17" name="Прямая со стрелкой 16"/>
+          <p:cNvCxnSpPr/>
+          <p:nvPr/>
+        </p:nvCxnSpPr>
+        <p:spPr>
+          <a:xfrm>
+            <a:off x="2061060" y="1621753"/>
+            <a:ext cx="1500841" cy="188977"/>
+          </a:xfrm>
+          <a:prstGeom prst="straightConnector1">
+            <a:avLst/>
+          </a:prstGeom>
+          <a:ln>
+            <a:tailEnd type="triangle"/>
+          </a:ln>
+        </p:spPr>
+        <p:style>
+          <a:lnRef idx="1">
+            <a:schemeClr val="accent1"/>
+          </a:lnRef>
+          <a:fillRef idx="0">
+            <a:schemeClr val="accent1"/>
+          </a:fillRef>
+          <a:effectRef idx="0">
+            <a:schemeClr val="accent1"/>
+          </a:effectRef>
+          <a:fontRef idx="minor">
+            <a:schemeClr val="tx1"/>
+          </a:fontRef>
+        </p:style>
+      </p:cxnSp>
+      <p:cxnSp>
+        <p:nvCxnSpPr>
+          <p:cNvPr id="19" name="Прямая со стрелкой 18"/>
+          <p:cNvCxnSpPr/>
+          <p:nvPr/>
+        </p:nvCxnSpPr>
+        <p:spPr>
+          <a:xfrm flipV="1">
+            <a:off x="2024484" y="1999705"/>
+            <a:ext cx="1537417" cy="12192"/>
+          </a:xfrm>
+          <a:prstGeom prst="straightConnector1">
+            <a:avLst/>
+          </a:prstGeom>
+          <a:ln>
+            <a:tailEnd type="triangle"/>
+          </a:ln>
+        </p:spPr>
+        <p:style>
+          <a:lnRef idx="1">
+            <a:schemeClr val="accent1"/>
+          </a:lnRef>
+          <a:fillRef idx="0">
+            <a:schemeClr val="accent1"/>
+          </a:fillRef>
+          <a:effectRef idx="0">
+            <a:schemeClr val="accent1"/>
+          </a:effectRef>
+          <a:fontRef idx="minor">
+            <a:schemeClr val="tx1"/>
+          </a:fontRef>
+        </p:style>
+      </p:cxnSp>
+      <p:cxnSp>
+        <p:nvCxnSpPr>
+          <p:cNvPr id="21" name="Прямая со стрелкой 20"/>
+          <p:cNvCxnSpPr/>
+          <p:nvPr/>
+        </p:nvCxnSpPr>
+        <p:spPr>
+          <a:xfrm flipV="1">
+            <a:off x="2061060" y="2188680"/>
+            <a:ext cx="1500841" cy="146304"/>
+          </a:xfrm>
+          <a:prstGeom prst="straightConnector1">
+            <a:avLst/>
+          </a:prstGeom>
+          <a:ln>
+            <a:tailEnd type="triangle"/>
+          </a:ln>
+        </p:spPr>
+        <p:style>
+          <a:lnRef idx="1">
+            <a:schemeClr val="accent1"/>
+          </a:lnRef>
+          <a:fillRef idx="0">
+            <a:schemeClr val="accent1"/>
+          </a:fillRef>
+          <a:effectRef idx="0">
+            <a:schemeClr val="accent1"/>
+          </a:effectRef>
+          <a:fontRef idx="minor">
+            <a:schemeClr val="tx1"/>
+          </a:fontRef>
+        </p:style>
+      </p:cxnSp>
+      <p:sp>
+        <p:nvSpPr>
+          <p:cNvPr id="24" name="Прямоугольник 23"/>
+          <p:cNvSpPr/>
+          <p:nvPr/>
+        </p:nvSpPr>
+        <p:spPr>
+          <a:xfrm>
+            <a:off x="8855642" y="4218431"/>
+            <a:ext cx="1402080" cy="365760"/>
+          </a:xfrm>
+          <a:prstGeom prst="rect">
+            <a:avLst/>
+          </a:prstGeom>
+          <a:noFill/>
+          <a:ln>
+            <a:solidFill>
+              <a:schemeClr val="accent6">
+                <a:lumMod val="75000"/>
+              </a:schemeClr>
+            </a:solidFill>
+            <a:prstDash val="dash"/>
+          </a:ln>
+        </p:spPr>
+        <p:style>
+          <a:lnRef idx="2">
+            <a:schemeClr val="accent1">
+              <a:shade val="50000"/>
+            </a:schemeClr>
+          </a:lnRef>
+          <a:fillRef idx="1">
+            <a:schemeClr val="accent1"/>
+          </a:fillRef>
+          <a:effectRef idx="0">
+            <a:schemeClr val="accent1"/>
+          </a:effectRef>
+          <a:fontRef idx="minor">
+            <a:schemeClr val="lt1"/>
+          </a:fontRef>
+        </p:style>
+        <p:txBody>
+          <a:bodyPr rtlCol="0" anchor="ctr"/>
+          <a:lstStyle/>
+          <a:p>
+            <a:pPr algn="ctr"/>
+            <a:r>
+              <a:rPr lang="en-US" dirty="0" smtClean="0">
+                <a:solidFill>
+                  <a:schemeClr val="tx1"/>
+                </a:solidFill>
+              </a:rPr>
+              <a:t>Publisher</a:t>
+            </a:r>
+            <a:endParaRPr lang="ru-RU" dirty="0">
+              <a:solidFill>
+                <a:schemeClr val="tx1"/>
+              </a:solidFill>
+            </a:endParaRPr>
+          </a:p>
+        </p:txBody>
+      </p:sp>
+      <p:cxnSp>
+        <p:nvCxnSpPr>
+          <p:cNvPr id="26" name="Прямая со стрелкой 25"/>
+          <p:cNvCxnSpPr/>
+          <p:nvPr/>
+        </p:nvCxnSpPr>
+        <p:spPr>
+          <a:xfrm flipV="1">
+            <a:off x="9751754" y="4584191"/>
+            <a:ext cx="0" cy="379259"/>
+          </a:xfrm>
+          <a:prstGeom prst="straightConnector1">
+            <a:avLst/>
+          </a:prstGeom>
+          <a:ln>
+            <a:tailEnd type="triangle"/>
+          </a:ln>
+        </p:spPr>
+        <p:style>
+          <a:lnRef idx="1">
+            <a:schemeClr val="accent1"/>
+          </a:lnRef>
+          <a:fillRef idx="0">
+            <a:schemeClr val="accent1"/>
+          </a:fillRef>
+          <a:effectRef idx="0">
+            <a:schemeClr val="accent1"/>
+          </a:effectRef>
+          <a:fontRef idx="minor">
+            <a:schemeClr val="tx1"/>
+          </a:fontRef>
+        </p:style>
+      </p:cxnSp>
+      <p:cxnSp>
+        <p:nvCxnSpPr>
+          <p:cNvPr id="29" name="Соединительная линия уступом 28"/>
+          <p:cNvCxnSpPr/>
+          <p:nvPr/>
+        </p:nvCxnSpPr>
+        <p:spPr>
+          <a:xfrm>
+            <a:off x="5234022" y="2054783"/>
+            <a:ext cx="3339424" cy="785953"/>
+          </a:xfrm>
+          <a:prstGeom prst="bentConnector2">
+            <a:avLst/>
+          </a:prstGeom>
+          <a:ln>
+            <a:tailEnd type="triangle"/>
+          </a:ln>
+        </p:spPr>
+        <p:style>
+          <a:lnRef idx="1">
+            <a:schemeClr val="accent1"/>
+          </a:lnRef>
+          <a:fillRef idx="0">
+            <a:schemeClr val="accent1"/>
+          </a:fillRef>
+          <a:effectRef idx="0">
+            <a:schemeClr val="accent1"/>
+          </a:effectRef>
+          <a:fontRef idx="minor">
+            <a:schemeClr val="tx1"/>
+          </a:fontRef>
+        </p:style>
+      </p:cxnSp>
+    </p:spTree>
+    <p:extLst>
+      <p:ext uri="{BB962C8B-B14F-4D97-AF65-F5344CB8AC3E}">
+        <p14:creationId xmlns:p14="http://schemas.microsoft.com/office/powerpoint/2010/main" val="2741086933"/>
+      </p:ext>
+    </p:extLst>
+  </p:cSld>
+  <p:clrMapOvr>
+    <a:masterClrMapping/>
+  </p:clrMapOvr>
+  <p:timing>
+    <p:tnLst>
+      <p:par>
+        <p:cTn id="1" dur="indefinite" restart="never" nodeType="tmRoot"/>
+      </p:par>
+    </p:tnLst>
+  </p:timing>
+</p:sld>
+</file>
+
+<file path=ppt/slides/slide11.xml><?xml version="1.0" encoding="utf-8"?>
+<p:sld xmlns:a="http://schemas.openxmlformats.org/drawingml/2006/main" xmlns:r="http://schemas.openxmlformats.org/officeDocument/2006/relationships" xmlns:p="http://schemas.openxmlformats.org/presentationml/2006/main">
+  <p:cSld>
+    <p:spTree>
+      <p:nvGrpSpPr>
+        <p:cNvPr id="1" name=""/>
+        <p:cNvGrpSpPr/>
+        <p:nvPr/>
+      </p:nvGrpSpPr>
+      <p:grpSpPr>
+        <a:xfrm>
+          <a:off x="0" y="0"/>
+          <a:ext cx="0" cy="0"/>
+          <a:chOff x="0" y="0"/>
+          <a:chExt cx="0" cy="0"/>
+        </a:xfrm>
+      </p:grpSpPr>
+      <p:sp>
+        <p:nvSpPr>
+          <p:cNvPr id="4" name="Скругленный прямоугольник 3"/>
+          <p:cNvSpPr/>
+          <p:nvPr/>
+        </p:nvSpPr>
+        <p:spPr>
+          <a:xfrm>
+            <a:off x="7919357" y="4964757"/>
+            <a:ext cx="2296885" cy="555171"/>
+          </a:xfrm>
+          <a:prstGeom prst="roundRect">
+            <a:avLst/>
+          </a:prstGeom>
+        </p:spPr>
+        <p:style>
+          <a:lnRef idx="2">
+            <a:schemeClr val="accent1">
+              <a:shade val="50000"/>
+            </a:schemeClr>
+          </a:lnRef>
+          <a:fillRef idx="1">
+            <a:schemeClr val="accent1"/>
+          </a:fillRef>
+          <a:effectRef idx="0">
+            <a:schemeClr val="accent1"/>
+          </a:effectRef>
+          <a:fontRef idx="minor">
+            <a:schemeClr val="lt1"/>
+          </a:fontRef>
+        </p:style>
+        <p:txBody>
+          <a:bodyPr rtlCol="0" anchor="ctr"/>
+          <a:lstStyle/>
+          <a:p>
+            <a:pPr algn="ctr"/>
+            <a:r>
+              <a:rPr lang="en-US" dirty="0" smtClean="0"/>
+              <a:t>Controllers</a:t>
+            </a:r>
+          </a:p>
+        </p:txBody>
+      </p:sp>
+      <p:sp>
+        <p:nvSpPr>
+          <p:cNvPr id="5" name="Скругленный прямоугольник 4"/>
+          <p:cNvSpPr/>
+          <p:nvPr/>
+        </p:nvSpPr>
+        <p:spPr>
+          <a:xfrm>
+            <a:off x="7620000" y="2487168"/>
+            <a:ext cx="2895600" cy="3692870"/>
+          </a:xfrm>
+          <a:prstGeom prst="roundRect">
+            <a:avLst/>
+          </a:prstGeom>
+          <a:noFill/>
+        </p:spPr>
+        <p:style>
+          <a:lnRef idx="2">
+            <a:schemeClr val="accent1">
+              <a:shade val="50000"/>
+            </a:schemeClr>
+          </a:lnRef>
+          <a:fillRef idx="1">
+            <a:schemeClr val="accent1"/>
+          </a:fillRef>
+          <a:effectRef idx="0">
+            <a:schemeClr val="accent1"/>
+          </a:effectRef>
+          <a:fontRef idx="minor">
+            <a:schemeClr val="lt1"/>
+          </a:fontRef>
+        </p:style>
+        <p:txBody>
+          <a:bodyPr rtlCol="0" anchor="ctr"/>
+          <a:lstStyle/>
+          <a:p>
+            <a:pPr algn="ctr"/>
+            <a:endParaRPr lang="ru-RU"/>
+          </a:p>
+        </p:txBody>
+      </p:sp>
+      <p:sp>
+        <p:nvSpPr>
+          <p:cNvPr id="6" name="TextBox 5"/>
+          <p:cNvSpPr txBox="1"/>
+          <p:nvPr/>
+        </p:nvSpPr>
+        <p:spPr>
+          <a:xfrm>
+            <a:off x="8568527" y="5665317"/>
+            <a:ext cx="998543" cy="369332"/>
+          </a:xfrm>
+          <a:prstGeom prst="rect">
+            <a:avLst/>
+          </a:prstGeom>
+          <a:noFill/>
+        </p:spPr>
+        <p:txBody>
+          <a:bodyPr wrap="none" rtlCol="0">
+            <a:spAutoFit/>
+          </a:bodyPr>
+          <a:lstStyle/>
+          <a:p>
+            <a:r>
+              <a:rPr lang="en-US" dirty="0" err="1" smtClean="0"/>
+              <a:t>WebFlux</a:t>
+            </a:r>
+            <a:endParaRPr lang="ru-RU" dirty="0"/>
+          </a:p>
+        </p:txBody>
+      </p:sp>
+      <p:sp>
+        <p:nvSpPr>
+          <p:cNvPr id="8" name="Скругленный прямоугольник 7"/>
+          <p:cNvSpPr/>
+          <p:nvPr/>
+        </p:nvSpPr>
+        <p:spPr>
+          <a:xfrm>
+            <a:off x="3561901" y="1542719"/>
+            <a:ext cx="1804416" cy="1024128"/>
+          </a:xfrm>
+          <a:prstGeom prst="roundRect">
+            <a:avLst/>
+          </a:prstGeom>
+        </p:spPr>
+        <p:style>
+          <a:lnRef idx="2">
+            <a:schemeClr val="accent1">
+              <a:shade val="50000"/>
+            </a:schemeClr>
+          </a:lnRef>
+          <a:fillRef idx="1">
+            <a:schemeClr val="accent1"/>
+          </a:fillRef>
+          <a:effectRef idx="0">
+            <a:schemeClr val="accent1"/>
+          </a:effectRef>
+          <a:fontRef idx="minor">
+            <a:schemeClr val="lt1"/>
+          </a:fontRef>
+        </p:style>
+        <p:txBody>
+          <a:bodyPr rtlCol="0" anchor="ctr"/>
+          <a:lstStyle/>
+          <a:p>
+            <a:pPr algn="ctr"/>
+            <a:r>
+              <a:rPr lang="en-US" dirty="0" err="1" smtClean="0"/>
+              <a:t>Netty</a:t>
+            </a:r>
+            <a:endParaRPr lang="ru-RU" dirty="0"/>
+          </a:p>
+        </p:txBody>
+      </p:sp>
+      <p:sp>
+        <p:nvSpPr>
+          <p:cNvPr id="9" name="Скругленный прямоугольник 8"/>
+          <p:cNvSpPr/>
+          <p:nvPr/>
+        </p:nvSpPr>
+        <p:spPr>
+          <a:xfrm>
+            <a:off x="7919356" y="2840736"/>
+            <a:ext cx="2296885" cy="1024128"/>
+          </a:xfrm>
+          <a:prstGeom prst="roundRect">
+            <a:avLst/>
+          </a:prstGeom>
+        </p:spPr>
+        <p:style>
+          <a:lnRef idx="2">
+            <a:schemeClr val="accent1">
+              <a:shade val="50000"/>
+            </a:schemeClr>
+          </a:lnRef>
+          <a:fillRef idx="1">
+            <a:schemeClr val="accent1"/>
+          </a:fillRef>
+          <a:effectRef idx="0">
+            <a:schemeClr val="accent1"/>
+          </a:effectRef>
+          <a:fontRef idx="minor">
+            <a:schemeClr val="lt1"/>
+          </a:fontRef>
+        </p:style>
+        <p:txBody>
+          <a:bodyPr rtlCol="0" anchor="ctr"/>
+          <a:lstStyle/>
+          <a:p>
+            <a:pPr algn="ctr"/>
+            <a:r>
+              <a:rPr lang="en-US" dirty="0" smtClean="0"/>
+              <a:t>Dispatcher Handler</a:t>
+            </a:r>
+            <a:endParaRPr lang="ru-RU" dirty="0"/>
+          </a:p>
+        </p:txBody>
+      </p:sp>
+      <p:cxnSp>
+        <p:nvCxnSpPr>
+          <p:cNvPr id="11" name="Прямая со стрелкой 10"/>
+          <p:cNvCxnSpPr/>
+          <p:nvPr/>
+        </p:nvCxnSpPr>
+        <p:spPr>
+          <a:xfrm>
+            <a:off x="8568527" y="3839173"/>
+            <a:ext cx="2" cy="1124277"/>
+          </a:xfrm>
+          <a:prstGeom prst="straightConnector1">
+            <a:avLst/>
+          </a:prstGeom>
+          <a:ln>
+            <a:tailEnd type="triangle"/>
+          </a:ln>
+        </p:spPr>
+        <p:style>
+          <a:lnRef idx="1">
+            <a:schemeClr val="accent1"/>
+          </a:lnRef>
+          <a:fillRef idx="0">
+            <a:schemeClr val="accent1"/>
+          </a:fillRef>
+          <a:effectRef idx="0">
+            <a:schemeClr val="accent1"/>
+          </a:effectRef>
+          <a:fontRef idx="minor">
+            <a:schemeClr val="tx1"/>
+          </a:fontRef>
+        </p:style>
+      </p:cxnSp>
+      <p:sp>
+        <p:nvSpPr>
+          <p:cNvPr id="15" name="TextBox 14"/>
+          <p:cNvSpPr txBox="1"/>
+          <p:nvPr/>
+        </p:nvSpPr>
+        <p:spPr>
+          <a:xfrm>
+            <a:off x="5522976" y="250808"/>
+            <a:ext cx="1938528" cy="584775"/>
+          </a:xfrm>
+          <a:prstGeom prst="rect">
+            <a:avLst/>
+          </a:prstGeom>
+          <a:noFill/>
+        </p:spPr>
+        <p:txBody>
+          <a:bodyPr wrap="square" rtlCol="0">
+            <a:spAutoFit/>
+          </a:bodyPr>
+          <a:lstStyle/>
+          <a:p>
+            <a:pPr algn="ctr"/>
+            <a:r>
+              <a:rPr lang="en-US" sz="3200" dirty="0" err="1" smtClean="0"/>
+              <a:t>WebFlux</a:t>
+            </a:r>
+            <a:endParaRPr lang="ru-RU" sz="3200" dirty="0"/>
+          </a:p>
+        </p:txBody>
+      </p:sp>
+      <p:cxnSp>
+        <p:nvCxnSpPr>
+          <p:cNvPr id="17" name="Прямая со стрелкой 16"/>
+          <p:cNvCxnSpPr/>
+          <p:nvPr/>
+        </p:nvCxnSpPr>
+        <p:spPr>
+          <a:xfrm>
+            <a:off x="2061060" y="1621753"/>
+            <a:ext cx="1500841" cy="188977"/>
+          </a:xfrm>
+          <a:prstGeom prst="straightConnector1">
+            <a:avLst/>
+          </a:prstGeom>
+          <a:ln>
+            <a:tailEnd type="triangle"/>
+          </a:ln>
+        </p:spPr>
+        <p:style>
+          <a:lnRef idx="1">
+            <a:schemeClr val="accent1"/>
+          </a:lnRef>
+          <a:fillRef idx="0">
+            <a:schemeClr val="accent1"/>
+          </a:fillRef>
+          <a:effectRef idx="0">
+            <a:schemeClr val="accent1"/>
+          </a:effectRef>
+          <a:fontRef idx="minor">
+            <a:schemeClr val="tx1"/>
+          </a:fontRef>
+        </p:style>
+      </p:cxnSp>
+      <p:cxnSp>
+        <p:nvCxnSpPr>
+          <p:cNvPr id="19" name="Прямая со стрелкой 18"/>
+          <p:cNvCxnSpPr/>
+          <p:nvPr/>
+        </p:nvCxnSpPr>
+        <p:spPr>
+          <a:xfrm flipV="1">
+            <a:off x="2024484" y="1999705"/>
+            <a:ext cx="1537417" cy="12192"/>
+          </a:xfrm>
+          <a:prstGeom prst="straightConnector1">
+            <a:avLst/>
+          </a:prstGeom>
+          <a:ln>
+            <a:tailEnd type="triangle"/>
+          </a:ln>
+        </p:spPr>
+        <p:style>
+          <a:lnRef idx="1">
+            <a:schemeClr val="accent1"/>
+          </a:lnRef>
+          <a:fillRef idx="0">
+            <a:schemeClr val="accent1"/>
+          </a:fillRef>
+          <a:effectRef idx="0">
+            <a:schemeClr val="accent1"/>
+          </a:effectRef>
+          <a:fontRef idx="minor">
+            <a:schemeClr val="tx1"/>
+          </a:fontRef>
+        </p:style>
+      </p:cxnSp>
+      <p:cxnSp>
+        <p:nvCxnSpPr>
+          <p:cNvPr id="21" name="Прямая со стрелкой 20"/>
+          <p:cNvCxnSpPr/>
+          <p:nvPr/>
+        </p:nvCxnSpPr>
+        <p:spPr>
+          <a:xfrm flipV="1">
+            <a:off x="2061060" y="2188680"/>
+            <a:ext cx="1500841" cy="146304"/>
+          </a:xfrm>
+          <a:prstGeom prst="straightConnector1">
+            <a:avLst/>
+          </a:prstGeom>
+          <a:ln>
+            <a:tailEnd type="triangle"/>
+          </a:ln>
+        </p:spPr>
+        <p:style>
+          <a:lnRef idx="1">
+            <a:schemeClr val="accent1"/>
+          </a:lnRef>
+          <a:fillRef idx="0">
+            <a:schemeClr val="accent1"/>
+          </a:fillRef>
+          <a:effectRef idx="0">
+            <a:schemeClr val="accent1"/>
+          </a:effectRef>
+          <a:fontRef idx="minor">
+            <a:schemeClr val="tx1"/>
+          </a:fontRef>
+        </p:style>
+      </p:cxnSp>
+      <p:sp>
+        <p:nvSpPr>
+          <p:cNvPr id="24" name="Прямоугольник 23"/>
+          <p:cNvSpPr/>
+          <p:nvPr/>
+        </p:nvSpPr>
+        <p:spPr>
+          <a:xfrm>
+            <a:off x="8855642" y="4218431"/>
+            <a:ext cx="1402080" cy="365760"/>
+          </a:xfrm>
+          <a:prstGeom prst="rect">
+            <a:avLst/>
+          </a:prstGeom>
+          <a:noFill/>
+          <a:ln>
+            <a:solidFill>
+              <a:schemeClr val="accent6">
+                <a:lumMod val="75000"/>
+              </a:schemeClr>
+            </a:solidFill>
+            <a:prstDash val="dash"/>
+          </a:ln>
+        </p:spPr>
+        <p:style>
+          <a:lnRef idx="2">
+            <a:schemeClr val="accent1">
+              <a:shade val="50000"/>
+            </a:schemeClr>
+          </a:lnRef>
+          <a:fillRef idx="1">
+            <a:schemeClr val="accent1"/>
+          </a:fillRef>
+          <a:effectRef idx="0">
+            <a:schemeClr val="accent1"/>
+          </a:effectRef>
+          <a:fontRef idx="minor">
+            <a:schemeClr val="lt1"/>
+          </a:fontRef>
+        </p:style>
+        <p:txBody>
+          <a:bodyPr rtlCol="0" anchor="ctr"/>
+          <a:lstStyle/>
+          <a:p>
+            <a:pPr algn="ctr"/>
+            <a:r>
+              <a:rPr lang="en-US" dirty="0" smtClean="0">
+                <a:solidFill>
+                  <a:schemeClr val="tx1"/>
+                </a:solidFill>
+              </a:rPr>
+              <a:t>Publisher</a:t>
+            </a:r>
+            <a:endParaRPr lang="ru-RU" dirty="0">
+              <a:solidFill>
+                <a:schemeClr val="tx1"/>
+              </a:solidFill>
+            </a:endParaRPr>
+          </a:p>
+        </p:txBody>
+      </p:sp>
+      <p:cxnSp>
+        <p:nvCxnSpPr>
+          <p:cNvPr id="26" name="Прямая со стрелкой 25"/>
+          <p:cNvCxnSpPr/>
+          <p:nvPr/>
+        </p:nvCxnSpPr>
+        <p:spPr>
+          <a:xfrm flipV="1">
+            <a:off x="9751754" y="4584191"/>
+            <a:ext cx="0" cy="379259"/>
+          </a:xfrm>
+          <a:prstGeom prst="straightConnector1">
+            <a:avLst/>
+          </a:prstGeom>
+          <a:ln>
+            <a:tailEnd type="triangle"/>
+          </a:ln>
+        </p:spPr>
+        <p:style>
+          <a:lnRef idx="1">
+            <a:schemeClr val="accent1"/>
+          </a:lnRef>
+          <a:fillRef idx="0">
+            <a:schemeClr val="accent1"/>
+          </a:fillRef>
+          <a:effectRef idx="0">
+            <a:schemeClr val="accent1"/>
+          </a:effectRef>
+          <a:fontRef idx="minor">
+            <a:schemeClr val="tx1"/>
+          </a:fontRef>
+        </p:style>
+      </p:cxnSp>
+      <p:cxnSp>
+        <p:nvCxnSpPr>
+          <p:cNvPr id="29" name="Соединительная линия уступом 28"/>
+          <p:cNvCxnSpPr/>
+          <p:nvPr/>
+        </p:nvCxnSpPr>
+        <p:spPr>
+          <a:xfrm>
+            <a:off x="5234022" y="2054783"/>
+            <a:ext cx="3339424" cy="785953"/>
+          </a:xfrm>
+          <a:prstGeom prst="bentConnector2">
+            <a:avLst/>
+          </a:prstGeom>
+          <a:ln>
+            <a:tailEnd type="triangle"/>
+          </a:ln>
+        </p:spPr>
+        <p:style>
+          <a:lnRef idx="1">
+            <a:schemeClr val="accent1"/>
+          </a:lnRef>
+          <a:fillRef idx="0">
+            <a:schemeClr val="accent1"/>
+          </a:fillRef>
+          <a:effectRef idx="0">
+            <a:schemeClr val="accent1"/>
+          </a:effectRef>
+          <a:fontRef idx="minor">
+            <a:schemeClr val="tx1"/>
+          </a:fontRef>
+        </p:style>
+      </p:cxnSp>
+      <p:sp>
+        <p:nvSpPr>
+          <p:cNvPr id="31" name="Прямоугольник 30"/>
+          <p:cNvSpPr/>
+          <p:nvPr/>
+        </p:nvSpPr>
+        <p:spPr>
+          <a:xfrm>
+            <a:off x="6059424" y="1578641"/>
+            <a:ext cx="1402080" cy="365760"/>
+          </a:xfrm>
+          <a:prstGeom prst="rect">
+            <a:avLst/>
+          </a:prstGeom>
+          <a:noFill/>
+          <a:ln>
+            <a:solidFill>
+              <a:schemeClr val="accent6">
+                <a:lumMod val="75000"/>
+              </a:schemeClr>
+            </a:solidFill>
+            <a:prstDash val="dash"/>
+          </a:ln>
+        </p:spPr>
+        <p:style>
+          <a:lnRef idx="2">
+            <a:schemeClr val="accent1">
+              <a:shade val="50000"/>
+            </a:schemeClr>
+          </a:lnRef>
+          <a:fillRef idx="1">
+            <a:schemeClr val="accent1"/>
+          </a:fillRef>
+          <a:effectRef idx="0">
+            <a:schemeClr val="accent1"/>
+          </a:effectRef>
+          <a:fontRef idx="minor">
+            <a:schemeClr val="lt1"/>
+          </a:fontRef>
+        </p:style>
+        <p:txBody>
+          <a:bodyPr rtlCol="0" anchor="ctr"/>
+          <a:lstStyle/>
+          <a:p>
+            <a:pPr algn="ctr"/>
+            <a:r>
+              <a:rPr lang="en-US" dirty="0" smtClean="0">
+                <a:solidFill>
+                  <a:schemeClr val="tx1"/>
+                </a:solidFill>
+              </a:rPr>
+              <a:t>Publisher</a:t>
+            </a:r>
+            <a:endParaRPr lang="ru-RU" dirty="0">
+              <a:solidFill>
+                <a:schemeClr val="tx1"/>
+              </a:solidFill>
+            </a:endParaRPr>
+          </a:p>
+        </p:txBody>
+      </p:sp>
+      <p:cxnSp>
+        <p:nvCxnSpPr>
+          <p:cNvPr id="35" name="Прямая со стрелкой 34"/>
+          <p:cNvCxnSpPr>
+            <a:endCxn id="31" idx="1"/>
+          </p:cNvCxnSpPr>
+          <p:nvPr/>
+        </p:nvCxnSpPr>
+        <p:spPr>
+          <a:xfrm>
+            <a:off x="5366317" y="1761521"/>
+            <a:ext cx="693107" cy="0"/>
+          </a:xfrm>
+          <a:prstGeom prst="straightConnector1">
+            <a:avLst/>
+          </a:prstGeom>
+          <a:ln>
+            <a:prstDash val="dash"/>
+            <a:tailEnd type="triangle"/>
+          </a:ln>
+        </p:spPr>
+        <p:style>
+          <a:lnRef idx="1">
+            <a:schemeClr val="accent1"/>
+          </a:lnRef>
+          <a:fillRef idx="0">
+            <a:schemeClr val="accent1"/>
+          </a:fillRef>
+          <a:effectRef idx="0">
+            <a:schemeClr val="accent1"/>
+          </a:effectRef>
+          <a:fontRef idx="minor">
+            <a:schemeClr val="tx1"/>
+          </a:fontRef>
+        </p:style>
+      </p:cxnSp>
+      <p:cxnSp>
+        <p:nvCxnSpPr>
+          <p:cNvPr id="41" name="Прямая соединительная линия 40"/>
+          <p:cNvCxnSpPr>
+            <a:stCxn id="31" idx="3"/>
+          </p:cNvCxnSpPr>
+          <p:nvPr/>
+        </p:nvCxnSpPr>
+        <p:spPr>
+          <a:xfrm>
+            <a:off x="7461504" y="1761521"/>
+            <a:ext cx="2279904" cy="0"/>
+          </a:xfrm>
+          <a:prstGeom prst="line">
+            <a:avLst/>
+          </a:prstGeom>
+          <a:ln>
+            <a:prstDash val="dash"/>
+          </a:ln>
+        </p:spPr>
+        <p:style>
+          <a:lnRef idx="1">
+            <a:schemeClr val="accent1"/>
+          </a:lnRef>
+          <a:fillRef idx="0">
+            <a:schemeClr val="accent1"/>
+          </a:fillRef>
+          <a:effectRef idx="0">
+            <a:schemeClr val="accent1"/>
+          </a:effectRef>
+          <a:fontRef idx="minor">
+            <a:schemeClr val="tx1"/>
+          </a:fontRef>
+        </p:style>
+      </p:cxnSp>
+      <p:cxnSp>
+        <p:nvCxnSpPr>
+          <p:cNvPr id="45" name="Прямая со стрелкой 44"/>
+          <p:cNvCxnSpPr/>
+          <p:nvPr/>
+        </p:nvCxnSpPr>
+        <p:spPr>
+          <a:xfrm>
+            <a:off x="9741408" y="1761521"/>
+            <a:ext cx="0" cy="1079215"/>
+          </a:xfrm>
+          <a:prstGeom prst="straightConnector1">
+            <a:avLst/>
+          </a:prstGeom>
+          <a:ln>
+            <a:prstDash val="dash"/>
+            <a:tailEnd type="triangle"/>
+          </a:ln>
+        </p:spPr>
+        <p:style>
+          <a:lnRef idx="1">
+            <a:schemeClr val="accent1"/>
+          </a:lnRef>
+          <a:fillRef idx="0">
+            <a:schemeClr val="accent1"/>
+          </a:fillRef>
+          <a:effectRef idx="0">
+            <a:schemeClr val="accent1"/>
+          </a:effectRef>
+          <a:fontRef idx="minor">
+            <a:schemeClr val="tx1"/>
+          </a:fontRef>
+        </p:style>
+      </p:cxnSp>
+      <p:cxnSp>
+        <p:nvCxnSpPr>
+          <p:cNvPr id="47" name="Прямая со стрелкой 46"/>
+          <p:cNvCxnSpPr/>
+          <p:nvPr/>
+        </p:nvCxnSpPr>
+        <p:spPr>
+          <a:xfrm>
+            <a:off x="9741408" y="3864864"/>
+            <a:ext cx="0" cy="353567"/>
+          </a:xfrm>
+          <a:prstGeom prst="straightConnector1">
+            <a:avLst/>
+          </a:prstGeom>
+          <a:ln>
+            <a:prstDash val="dash"/>
+            <a:tailEnd type="triangle"/>
+          </a:ln>
+        </p:spPr>
+        <p:style>
+          <a:lnRef idx="1">
+            <a:schemeClr val="accent1"/>
+          </a:lnRef>
+          <a:fillRef idx="0">
+            <a:schemeClr val="accent1"/>
+          </a:fillRef>
+          <a:effectRef idx="0">
+            <a:schemeClr val="accent1"/>
+          </a:effectRef>
+          <a:fontRef idx="minor">
+            <a:schemeClr val="tx1"/>
+          </a:fontRef>
+        </p:style>
+      </p:cxnSp>
+    </p:spTree>
+    <p:extLst>
+      <p:ext uri="{BB962C8B-B14F-4D97-AF65-F5344CB8AC3E}">
+        <p14:creationId xmlns:p14="http://schemas.microsoft.com/office/powerpoint/2010/main" val="3906592010"/>
+      </p:ext>
+    </p:extLst>
+  </p:cSld>
+  <p:clrMapOvr>
+    <a:masterClrMapping/>
+  </p:clrMapOvr>
+  <p:timing>
+    <p:tnLst>
+      <p:par>
+        <p:cTn id="1" dur="indefinite" restart="never" nodeType="tmRoot"/>
+      </p:par>
+    </p:tnLst>
+  </p:timing>
 </p:sld>
 </file>
 
@@ -3277,6 +4544,13 @@
   <p:clrMapOvr>
     <a:masterClrMapping/>
   </p:clrMapOvr>
+  <p:timing>
+    <p:tnLst>
+      <p:par>
+        <p:cTn id="1" dur="indefinite" restart="never" nodeType="tmRoot"/>
+      </p:par>
+    </p:tnLst>
+  </p:timing>
 </p:sld>
 </file>
 
@@ -3474,6 +4748,13 @@
   <p:clrMapOvr>
     <a:masterClrMapping/>
   </p:clrMapOvr>
+  <p:timing>
+    <p:tnLst>
+      <p:par>
+        <p:cTn id="1" dur="indefinite" restart="never" nodeType="tmRoot"/>
+      </p:par>
+    </p:tnLst>
+  </p:timing>
 </p:sld>
 </file>
 
@@ -3552,6 +4833,13 @@
   <p:clrMapOvr>
     <a:masterClrMapping/>
   </p:clrMapOvr>
+  <p:timing>
+    <p:tnLst>
+      <p:par>
+        <p:cTn id="1" dur="indefinite" restart="never" nodeType="tmRoot"/>
+      </p:par>
+    </p:tnLst>
+  </p:timing>
 </p:sld>
 </file>
 
@@ -3710,6 +4998,13 @@
   <p:clrMapOvr>
     <a:masterClrMapping/>
   </p:clrMapOvr>
+  <p:timing>
+    <p:tnLst>
+      <p:par>
+        <p:cTn id="1" dur="indefinite" restart="never" nodeType="tmRoot"/>
+      </p:par>
+    </p:tnLst>
+  </p:timing>
 </p:sld>
 </file>
 
@@ -3915,7 +5210,11 @@
           <a:lstStyle/>
           <a:p>
             <a:pPr algn="ctr"/>
-            <a:endParaRPr lang="ru-RU"/>
+            <a:r>
+              <a:rPr lang="ru-RU" dirty="0" smtClean="0"/>
+              <a:t> </a:t>
+            </a:r>
+            <a:endParaRPr lang="ru-RU" dirty="0"/>
           </a:p>
         </p:txBody>
       </p:sp>
@@ -4169,6 +5468,48 @@
           <a:p>
             <a:pPr algn="ctr"/>
             <a:endParaRPr lang="ru-RU"/>
+          </a:p>
+        </p:txBody>
+      </p:sp>
+      <p:sp>
+        <p:nvSpPr>
+          <p:cNvPr id="3" name="TextBox 2"/>
+          <p:cNvSpPr txBox="1"/>
+          <p:nvPr/>
+        </p:nvSpPr>
+        <p:spPr>
+          <a:xfrm>
+            <a:off x="8338457" y="1273629"/>
+            <a:ext cx="2587568" cy="923330"/>
+          </a:xfrm>
+          <a:prstGeom prst="rect">
+            <a:avLst/>
+          </a:prstGeom>
+          <a:noFill/>
+        </p:spPr>
+        <p:txBody>
+          <a:bodyPr wrap="none" rtlCol="0">
+            <a:spAutoFit/>
+          </a:bodyPr>
+          <a:lstStyle/>
+          <a:p>
+            <a:r>
+              <a:rPr lang="ru-RU" dirty="0" smtClean="0"/>
+              <a:t>Время подачи заявки;</a:t>
+            </a:r>
+          </a:p>
+          <a:p>
+            <a:r>
+              <a:rPr lang="ru-RU" dirty="0" smtClean="0"/>
+              <a:t>Нижний предел цены;</a:t>
+            </a:r>
+          </a:p>
+          <a:p>
+            <a:r>
+              <a:rPr lang="ru-RU" dirty="0" smtClean="0"/>
+              <a:t>Вариант снижения цены</a:t>
+            </a:r>
+            <a:endParaRPr lang="ru-RU" dirty="0"/>
           </a:p>
         </p:txBody>
       </p:sp>
@@ -4182,6 +5523,13 @@
   <p:clrMapOvr>
     <a:masterClrMapping/>
   </p:clrMapOvr>
+  <p:timing>
+    <p:tnLst>
+      <p:par>
+        <p:cTn id="1" dur="indefinite" restart="never" nodeType="tmRoot"/>
+      </p:par>
+    </p:tnLst>
+  </p:timing>
 </p:sld>
 </file>
 
@@ -4457,6 +5805,13 @@
   <p:clrMapOvr>
     <a:masterClrMapping/>
   </p:clrMapOvr>
+  <p:timing>
+    <p:tnLst>
+      <p:par>
+        <p:cTn id="1" dur="indefinite" restart="never" nodeType="tmRoot"/>
+      </p:par>
+    </p:tnLst>
+  </p:timing>
 </p:sld>
 </file>
 
@@ -5066,6 +6421,13 @@
   <p:clrMapOvr>
     <a:masterClrMapping/>
   </p:clrMapOvr>
+  <p:timing>
+    <p:tnLst>
+      <p:par>
+        <p:cTn id="1" dur="indefinite" restart="never" nodeType="tmRoot"/>
+      </p:par>
+    </p:tnLst>
+  </p:timing>
 </p:sld>
 </file>
 
@@ -5451,100 +6813,6 @@
           </a:fontRef>
         </p:style>
       </p:cxnSp>
-      <p:sp>
-        <p:nvSpPr>
-          <p:cNvPr id="24" name="Прямоугольник 23"/>
-          <p:cNvSpPr/>
-          <p:nvPr/>
-        </p:nvSpPr>
-        <p:spPr>
-          <a:xfrm>
-            <a:off x="8855642" y="4218431"/>
-            <a:ext cx="1402080" cy="365760"/>
-          </a:xfrm>
-          <a:prstGeom prst="rect">
-            <a:avLst/>
-          </a:prstGeom>
-          <a:noFill/>
-          <a:ln>
-            <a:solidFill>
-              <a:schemeClr val="accent6">
-                <a:lumMod val="75000"/>
-              </a:schemeClr>
-            </a:solidFill>
-            <a:prstDash val="dash"/>
-          </a:ln>
-        </p:spPr>
-        <p:style>
-          <a:lnRef idx="2">
-            <a:schemeClr val="accent1">
-              <a:shade val="50000"/>
-            </a:schemeClr>
-          </a:lnRef>
-          <a:fillRef idx="1">
-            <a:schemeClr val="accent1"/>
-          </a:fillRef>
-          <a:effectRef idx="0">
-            <a:schemeClr val="accent1"/>
-          </a:effectRef>
-          <a:fontRef idx="minor">
-            <a:schemeClr val="lt1"/>
-          </a:fontRef>
-        </p:style>
-        <p:txBody>
-          <a:bodyPr rtlCol="0" anchor="ctr"/>
-          <a:lstStyle/>
-          <a:p>
-            <a:pPr algn="ctr"/>
-            <a:r>
-              <a:rPr lang="en-US" dirty="0" smtClean="0">
-                <a:solidFill>
-                  <a:schemeClr val="tx1"/>
-                </a:solidFill>
-              </a:rPr>
-              <a:t>Publisher</a:t>
-            </a:r>
-            <a:endParaRPr lang="ru-RU" dirty="0">
-              <a:solidFill>
-                <a:schemeClr val="tx1"/>
-              </a:solidFill>
-            </a:endParaRPr>
-          </a:p>
-        </p:txBody>
-      </p:sp>
-      <p:cxnSp>
-        <p:nvCxnSpPr>
-          <p:cNvPr id="26" name="Прямая со стрелкой 25"/>
-          <p:cNvCxnSpPr/>
-          <p:nvPr/>
-        </p:nvCxnSpPr>
-        <p:spPr>
-          <a:xfrm flipV="1">
-            <a:off x="9751754" y="4584191"/>
-            <a:ext cx="0" cy="379259"/>
-          </a:xfrm>
-          <a:prstGeom prst="straightConnector1">
-            <a:avLst/>
-          </a:prstGeom>
-          <a:ln>
-            <a:tailEnd type="triangle"/>
-          </a:ln>
-        </p:spPr>
-        <p:style>
-          <a:lnRef idx="1">
-            <a:schemeClr val="accent1"/>
-          </a:lnRef>
-          <a:fillRef idx="0">
-            <a:schemeClr val="accent1"/>
-          </a:fillRef>
-          <a:effectRef idx="0">
-            <a:schemeClr val="accent1"/>
-          </a:effectRef>
-          <a:fontRef idx="minor">
-            <a:schemeClr val="tx1"/>
-          </a:fontRef>
-        </p:style>
-      </p:cxnSp>
       <p:cxnSp>
         <p:nvCxnSpPr>
           <p:cNvPr id="29" name="Соединительная линия уступом 28"/>
@@ -5560,206 +6828,6 @@
             <a:avLst/>
           </a:prstGeom>
           <a:ln>
-            <a:tailEnd type="triangle"/>
-          </a:ln>
-        </p:spPr>
-        <p:style>
-          <a:lnRef idx="1">
-            <a:schemeClr val="accent1"/>
-          </a:lnRef>
-          <a:fillRef idx="0">
-            <a:schemeClr val="accent1"/>
-          </a:fillRef>
-          <a:effectRef idx="0">
-            <a:schemeClr val="accent1"/>
-          </a:effectRef>
-          <a:fontRef idx="minor">
-            <a:schemeClr val="tx1"/>
-          </a:fontRef>
-        </p:style>
-      </p:cxnSp>
-      <p:sp>
-        <p:nvSpPr>
-          <p:cNvPr id="31" name="Прямоугольник 30"/>
-          <p:cNvSpPr/>
-          <p:nvPr/>
-        </p:nvSpPr>
-        <p:spPr>
-          <a:xfrm>
-            <a:off x="6059424" y="1578641"/>
-            <a:ext cx="1402080" cy="365760"/>
-          </a:xfrm>
-          <a:prstGeom prst="rect">
-            <a:avLst/>
-          </a:prstGeom>
-          <a:noFill/>
-          <a:ln>
-            <a:solidFill>
-              <a:schemeClr val="accent6">
-                <a:lumMod val="75000"/>
-              </a:schemeClr>
-            </a:solidFill>
-            <a:prstDash val="dash"/>
-          </a:ln>
-        </p:spPr>
-        <p:style>
-          <a:lnRef idx="2">
-            <a:schemeClr val="accent1">
-              <a:shade val="50000"/>
-            </a:schemeClr>
-          </a:lnRef>
-          <a:fillRef idx="1">
-            <a:schemeClr val="accent1"/>
-          </a:fillRef>
-          <a:effectRef idx="0">
-            <a:schemeClr val="accent1"/>
-          </a:effectRef>
-          <a:fontRef idx="minor">
-            <a:schemeClr val="lt1"/>
-          </a:fontRef>
-        </p:style>
-        <p:txBody>
-          <a:bodyPr rtlCol="0" anchor="ctr"/>
-          <a:lstStyle/>
-          <a:p>
-            <a:pPr algn="ctr"/>
-            <a:r>
-              <a:rPr lang="en-US" dirty="0" smtClean="0">
-                <a:solidFill>
-                  <a:schemeClr val="tx1"/>
-                </a:solidFill>
-              </a:rPr>
-              <a:t>Publisher</a:t>
-            </a:r>
-            <a:endParaRPr lang="ru-RU" dirty="0">
-              <a:solidFill>
-                <a:schemeClr val="tx1"/>
-              </a:solidFill>
-            </a:endParaRPr>
-          </a:p>
-        </p:txBody>
-      </p:sp>
-      <p:cxnSp>
-        <p:nvCxnSpPr>
-          <p:cNvPr id="35" name="Прямая со стрелкой 34"/>
-          <p:cNvCxnSpPr>
-            <a:endCxn id="31" idx="1"/>
-          </p:cNvCxnSpPr>
-          <p:nvPr/>
-        </p:nvCxnSpPr>
-        <p:spPr>
-          <a:xfrm>
-            <a:off x="5366317" y="1761521"/>
-            <a:ext cx="693107" cy="0"/>
-          </a:xfrm>
-          <a:prstGeom prst="straightConnector1">
-            <a:avLst/>
-          </a:prstGeom>
-          <a:ln>
-            <a:prstDash val="dash"/>
-            <a:tailEnd type="triangle"/>
-          </a:ln>
-        </p:spPr>
-        <p:style>
-          <a:lnRef idx="1">
-            <a:schemeClr val="accent1"/>
-          </a:lnRef>
-          <a:fillRef idx="0">
-            <a:schemeClr val="accent1"/>
-          </a:fillRef>
-          <a:effectRef idx="0">
-            <a:schemeClr val="accent1"/>
-          </a:effectRef>
-          <a:fontRef idx="minor">
-            <a:schemeClr val="tx1"/>
-          </a:fontRef>
-        </p:style>
-      </p:cxnSp>
-      <p:cxnSp>
-        <p:nvCxnSpPr>
-          <p:cNvPr id="41" name="Прямая соединительная линия 40"/>
-          <p:cNvCxnSpPr>
-            <a:stCxn id="31" idx="3"/>
-          </p:cNvCxnSpPr>
-          <p:nvPr/>
-        </p:nvCxnSpPr>
-        <p:spPr>
-          <a:xfrm>
-            <a:off x="7461504" y="1761521"/>
-            <a:ext cx="2279904" cy="0"/>
-          </a:xfrm>
-          <a:prstGeom prst="line">
-            <a:avLst/>
-          </a:prstGeom>
-          <a:ln>
-            <a:prstDash val="dash"/>
-          </a:ln>
-        </p:spPr>
-        <p:style>
-          <a:lnRef idx="1">
-            <a:schemeClr val="accent1"/>
-          </a:lnRef>
-          <a:fillRef idx="0">
-            <a:schemeClr val="accent1"/>
-          </a:fillRef>
-          <a:effectRef idx="0">
-            <a:schemeClr val="accent1"/>
-          </a:effectRef>
-          <a:fontRef idx="minor">
-            <a:schemeClr val="tx1"/>
-          </a:fontRef>
-        </p:style>
-      </p:cxnSp>
-      <p:cxnSp>
-        <p:nvCxnSpPr>
-          <p:cNvPr id="45" name="Прямая со стрелкой 44"/>
-          <p:cNvCxnSpPr/>
-          <p:nvPr/>
-        </p:nvCxnSpPr>
-        <p:spPr>
-          <a:xfrm>
-            <a:off x="9741408" y="1761521"/>
-            <a:ext cx="0" cy="1079215"/>
-          </a:xfrm>
-          <a:prstGeom prst="straightConnector1">
-            <a:avLst/>
-          </a:prstGeom>
-          <a:ln>
-            <a:prstDash val="dash"/>
-            <a:tailEnd type="triangle"/>
-          </a:ln>
-        </p:spPr>
-        <p:style>
-          <a:lnRef idx="1">
-            <a:schemeClr val="accent1"/>
-          </a:lnRef>
-          <a:fillRef idx="0">
-            <a:schemeClr val="accent1"/>
-          </a:fillRef>
-          <a:effectRef idx="0">
-            <a:schemeClr val="accent1"/>
-          </a:effectRef>
-          <a:fontRef idx="minor">
-            <a:schemeClr val="tx1"/>
-          </a:fontRef>
-        </p:style>
-      </p:cxnSp>
-      <p:cxnSp>
-        <p:nvCxnSpPr>
-          <p:cNvPr id="47" name="Прямая со стрелкой 46"/>
-          <p:cNvCxnSpPr/>
-          <p:nvPr/>
-        </p:nvCxnSpPr>
-        <p:spPr>
-          <a:xfrm>
-            <a:off x="9741408" y="3864864"/>
-            <a:ext cx="0" cy="353567"/>
-          </a:xfrm>
-          <a:prstGeom prst="straightConnector1">
-            <a:avLst/>
-          </a:prstGeom>
-          <a:ln>
-            <a:prstDash val="dash"/>
             <a:tailEnd type="triangle"/>
           </a:ln>
         </p:spPr>
@@ -5788,6 +6856,13 @@
   <p:clrMapOvr>
     <a:masterClrMapping/>
   </p:clrMapOvr>
+  <p:timing>
+    <p:tnLst>
+      <p:par>
+        <p:cTn id="1" dur="indefinite" restart="never" nodeType="tmRoot"/>
+      </p:par>
+    </p:tnLst>
+  </p:timing>
 </p:sld>
 </file>
 
